--- a/outputs/paper/presentation.pptx
+++ b/outputs/paper/presentation.pptx
@@ -9,6 +9,7 @@
     <p:sldId id="257" r:id="rId3"/>
     <p:sldId id="258" r:id="rId4"/>
     <p:sldId id="259" r:id="rId5"/>
+    <p:sldId id="260" r:id="rId6"/>
   </p:sldIdLst>
   <p:sldSz cx="9144000" cy="5143500" type="screen16x9"/>
   <p:notesSz cx="6858000" cy="9144000"/>
@@ -3118,7 +3119,7 @@
             </a:pPr>
             <a:r>
               <a:rPr/>
-              <a:t>Untitled</a:t>
+              <a:t>Disparities in Climate-Induced Health Outcomes in the Greater Toronto Area.</a:t>
             </a:r>
           </a:p>
         </p:txBody>
@@ -3148,6 +3149,35 @@
             </a:pPr>
             <a:br/>
             <a:br/>
+            <a:r>
+              <a:rPr/>
+              <a:t>Sarah Mansoor</a:t>
+            </a:r>
+          </a:p>
+        </p:txBody>
+      </p:sp>
+      <p:sp>
+        <p:nvSpPr>
+          <p:cNvPr id="4" name="Date Placeholder 3"/>
+          <p:cNvSpPr>
+            <a:spLocks noGrp="1"/>
+          </p:cNvSpPr>
+          <p:nvPr>
+            <p:ph idx="10" sz="half" type="dt"/>
+          </p:nvPr>
+        </p:nvSpPr>
+        <p:spPr/>
+        <p:txBody>
+          <a:bodyPr/>
+          <a:lstStyle/>
+          <a:p>
+            <a:pPr lvl="0" indent="0" marL="0">
+              <a:buNone/>
+            </a:pPr>
+            <a:r>
+              <a:rPr/>
+              <a:t>06 July 2022</a:t>
+            </a:r>
           </a:p>
         </p:txBody>
       </p:sp>
@@ -3193,42 +3223,50 @@
             </a:pPr>
             <a:r>
               <a:rPr/>
+              <a:t>Table of contents</a:t>
+            </a:r>
+          </a:p>
+        </p:txBody>
+      </p:sp>
+      <p:sp>
+        <p:nvSpPr>
+          <p:cNvPr id="3" name="Content Placeholder 2"/>
+          <p:cNvSpPr>
+            <a:spLocks noGrp="1"/>
+          </p:cNvSpPr>
+          <p:nvPr>
+            <p:ph idx="1"/>
+          </p:nvPr>
+        </p:nvSpPr>
+        <p:spPr/>
+        <p:txBody>
+          <a:bodyPr/>
+          <a:lstStyle/>
+          <a:p>
+            <a:pPr lvl="0"/>
+            <a:r>
+              <a:rPr>
+                <a:hlinkClick r:id="rId2" action="ppaction://hlinksldjump"/>
+              </a:rPr>
               <a:t>Quarto</a:t>
             </a:r>
           </a:p>
-        </p:txBody>
-      </p:sp>
-      <p:sp>
-        <p:nvSpPr>
-          <p:cNvPr id="3" name="Content Placeholder 2"/>
-          <p:cNvSpPr>
-            <a:spLocks noGrp="1"/>
-          </p:cNvSpPr>
-          <p:nvPr>
-            <p:ph idx="1"/>
-          </p:nvPr>
-        </p:nvSpPr>
-        <p:spPr/>
-        <p:txBody>
-          <a:bodyPr/>
-          <a:lstStyle/>
-          <a:p>
-            <a:pPr lvl="0" indent="0" marL="0">
-              <a:buNone/>
-            </a:pPr>
-            <a:r>
-              <a:rPr/>
-              <a:t>Quarto enables you to weave together content and executable code into a finished presentation. To learn more about Quarto presentations see </a:t>
-            </a:r>
+          <a:p>
+            <a:pPr lvl="0"/>
             <a:r>
               <a:rPr>
-                <a:hlinkClick r:id="rId2"/>
+                <a:hlinkClick r:id="rId3" action="ppaction://hlinksldjump"/>
               </a:rPr>
-              <a:t>https://quarto.org/docs/presentations/</a:t>
-            </a:r>
-            <a:r>
-              <a:rPr/>
-              <a:t>.</a:t>
+              <a:t>Bullets</a:t>
+            </a:r>
+          </a:p>
+          <a:p>
+            <a:pPr lvl="0"/>
+            <a:r>
+              <a:rPr>
+                <a:hlinkClick r:id="rId4" action="ppaction://hlinksldjump"/>
+              </a:rPr>
+              <a:t>Code</a:t>
             </a:r>
           </a:p>
         </p:txBody>
@@ -3275,7 +3313,7 @@
             </a:pPr>
             <a:r>
               <a:rPr/>
-              <a:t>Bullets</a:t>
+              <a:t>Quarto</a:t>
             </a:r>
           </a:p>
         </p:txBody>
@@ -3300,29 +3338,17 @@
             </a:pPr>
             <a:r>
               <a:rPr/>
-              <a:t>When you click the </a:t>
-            </a:r>
-            <a:r>
-              <a:rPr b="1"/>
-              <a:t>Render</a:t>
+              <a:t>Quarto enables you to weave together content and executable code into a finished presentation. To learn more about Quarto presentations see </a:t>
+            </a:r>
+            <a:r>
+              <a:rPr>
+                <a:hlinkClick r:id="rId2"/>
+              </a:rPr>
+              <a:t>https://quarto.org/docs/presentations/</a:t>
             </a:r>
             <a:r>
               <a:rPr/>
-              <a:t> button a document will be generated that includes:</a:t>
-            </a:r>
-          </a:p>
-          <a:p>
-            <a:pPr lvl="0"/>
-            <a:r>
-              <a:rPr/>
-              <a:t>Content authored with markdown</a:t>
-            </a:r>
-          </a:p>
-          <a:p>
-            <a:pPr lvl="0"/>
-            <a:r>
-              <a:rPr/>
-              <a:t>Output from executable code</a:t>
+              <a:t>.</a:t>
             </a:r>
           </a:p>
         </p:txBody>
@@ -3369,6 +3395,105 @@
             </a:pPr>
             <a:r>
               <a:rPr/>
+              <a:t>Bullets</a:t>
+            </a:r>
+          </a:p>
+        </p:txBody>
+      </p:sp>
+      <p:sp>
+        <p:nvSpPr>
+          <p:cNvPr id="3" name="Content Placeholder 2"/>
+          <p:cNvSpPr>
+            <a:spLocks noGrp="1"/>
+          </p:cNvSpPr>
+          <p:nvPr>
+            <p:ph idx="1"/>
+          </p:nvPr>
+        </p:nvSpPr>
+        <p:spPr/>
+        <p:txBody>
+          <a:bodyPr/>
+          <a:lstStyle/>
+          <a:p>
+            <a:pPr lvl="0" indent="0" marL="0">
+              <a:buNone/>
+            </a:pPr>
+            <a:r>
+              <a:rPr/>
+              <a:t>When you click the </a:t>
+            </a:r>
+            <a:r>
+              <a:rPr b="1"/>
+              <a:t>Render</a:t>
+            </a:r>
+            <a:r>
+              <a:rPr/>
+              <a:t> button a document will be generated that includes:</a:t>
+            </a:r>
+          </a:p>
+          <a:p>
+            <a:pPr lvl="0"/>
+            <a:r>
+              <a:rPr/>
+              <a:t>Content authored with markdown</a:t>
+            </a:r>
+          </a:p>
+          <a:p>
+            <a:pPr lvl="0"/>
+            <a:r>
+              <a:rPr/>
+              <a:t>Output from executable code</a:t>
+            </a:r>
+          </a:p>
+        </p:txBody>
+      </p:sp>
+    </p:spTree>
+  </p:cSld>
+</p:sld>
+</file>
+
+<file path=ppt/slides/slide5.xml><?xml version="1.0" encoding="utf-8"?>
+<p:sld xmlns:a="http://schemas.openxmlformats.org/drawingml/2006/main" xmlns:r="http://schemas.openxmlformats.org/officeDocument/2006/relationships" xmlns:p="http://schemas.openxmlformats.org/presentationml/2006/main">
+  <p:cSld>
+    <p:spTree>
+      <p:nvGrpSpPr>
+        <p:cNvPr id="1" name=""/>
+        <p:cNvGrpSpPr/>
+        <p:nvPr/>
+      </p:nvGrpSpPr>
+      <p:grpSpPr>
+        <a:xfrm>
+          <a:off x="0" y="0"/>
+          <a:ext cx="0" cy="0"/>
+          <a:chOff x="0" y="0"/>
+          <a:chExt cx="0" cy="0"/>
+        </a:xfrm>
+      </p:grpSpPr>
+      <p:sp>
+        <p:nvSpPr>
+          <p:cNvPr id="2" name="Title 1"/>
+          <p:cNvSpPr>
+            <a:spLocks noGrp="1"/>
+          </p:cNvSpPr>
+          <p:nvPr>
+            <p:ph type="title"/>
+          </p:nvPr>
+        </p:nvSpPr>
+        <p:spPr>
+          <a:xfrm>
+            <a:off x="457201" y="204787"/>
+            <a:ext cx="3008313" cy="871538"/>
+          </a:xfrm>
+        </p:spPr>
+        <p:txBody>
+          <a:bodyPr/>
+          <a:lstStyle/>
+          <a:p>
+            <a:pPr lvl="0" indent="0" marL="0">
+              <a:buNone/>
+            </a:pPr>
+            <a:r>
+              <a:rPr/>
               <a:t>Code</a:t>
             </a:r>
           </a:p>
@@ -3376,12 +3501,12 @@
       </p:sp>
       <p:sp>
         <p:nvSpPr>
-          <p:cNvPr id="3" name="Content Placeholder 2"/>
-          <p:cNvSpPr>
-            <a:spLocks noGrp="1"/>
-          </p:cNvSpPr>
-          <p:nvPr>
-            <p:ph idx="1"/>
+          <p:cNvPr id="4" name="Text Placeholder 3"/>
+          <p:cNvSpPr>
+            <a:spLocks noGrp="1"/>
+          </p:cNvSpPr>
+          <p:nvPr>
+            <p:ph idx="2" sz="half" type="body"/>
           </p:nvPr>
         </p:nvSpPr>
         <p:spPr/>
@@ -3418,6 +3543,36 @@
           </a:p>
         </p:txBody>
       </p:sp>
+      <p:pic>
+        <p:nvPicPr>
+          <p:cNvPr descr="images/paste-01E2A963.png" id="0" name="Picture 1"/>
+          <p:cNvPicPr>
+            <a:picLocks noGrp="1" noChangeAspect="1"/>
+          </p:cNvPicPr>
+          <p:nvPr/>
+        </p:nvPicPr>
+        <p:blipFill>
+          <a:blip r:embed="rId2"/>
+          <a:stretch>
+            <a:fillRect/>
+          </a:stretch>
+        </p:blipFill>
+        <p:spPr bwMode="auto">
+          <a:xfrm>
+            <a:off x="3568700" y="2057400"/>
+            <a:ext cx="5105400" cy="673100"/>
+          </a:xfrm>
+          <a:prstGeom prst="rect">
+            <a:avLst/>
+          </a:prstGeom>
+          <a:noFill/>
+          <a:ln w="9525">
+            <a:noFill/>
+            <a:headEnd/>
+            <a:tailEnd/>
+          </a:ln>
+        </p:spPr>
+      </p:pic>
     </p:spTree>
   </p:cSld>
 </p:sld>
